--- a/0.git_github/git_github.pptx
+++ b/0.git_github/git_github.pptx
@@ -3668,7 +3668,7 @@
         </p:nvSpPr>
         <p:spPr>
           <a:xfrm>
-            <a:off x="3048000" y="3244850"/>
+            <a:off x="2900045" y="3342640"/>
             <a:ext cx="6096000" cy="1198880"/>
           </a:xfrm>
           <a:prstGeom prst="rect">

--- a/0.git_github/git_github.pptx
+++ b/0.git_github/git_github.pptx
@@ -7,9 +7,10 @@
   <p:sldIdLst>
     <p:sldId id="257" r:id="rId3"/>
     <p:sldId id="324" r:id="rId4"/>
-    <p:sldId id="326" r:id="rId5"/>
-    <p:sldId id="328" r:id="rId6"/>
-    <p:sldId id="258" r:id="rId7"/>
+    <p:sldId id="329" r:id="rId5"/>
+    <p:sldId id="326" r:id="rId6"/>
+    <p:sldId id="328" r:id="rId7"/>
+    <p:sldId id="258" r:id="rId8"/>
   </p:sldIdLst>
   <p:sldSz cx="12192000" cy="6858000"/>
   <p:notesSz cx="6858000" cy="9144000"/>
@@ -3800,8 +3801,8 @@
         </p:nvSpPr>
         <p:spPr>
           <a:xfrm>
-            <a:off x="1960880" y="1174750"/>
-            <a:ext cx="6096000" cy="368300"/>
+            <a:off x="3821430" y="1786890"/>
+            <a:ext cx="4064000" cy="3969385"/>
           </a:xfrm>
           <a:prstGeom prst="rect">
             <a:avLst/>
@@ -3809,131 +3810,85 @@
           <a:noFill/>
         </p:spPr>
         <p:txBody>
-          <a:bodyPr wrap="square" rtlCol="0" anchor="t">
+          <a:bodyPr wrap="square" rtlCol="0">
             <a:spAutoFit/>
           </a:bodyPr>
           <a:p>
             <a:r>
               <a:rPr lang="en-US"/>
-              <a:t>cd Documents\ds\ds_materials </a:t>
-            </a:r>
-            <a:endParaRPr lang="en-US"/>
-          </a:p>
-        </p:txBody>
-      </p:sp>
-      <p:sp>
-        <p:nvSpPr>
-          <p:cNvPr id="3" name="Text Box 2"/>
-          <p:cNvSpPr txBox="1"/>
-          <p:nvPr/>
-        </p:nvSpPr>
-        <p:spPr>
-          <a:xfrm>
-            <a:off x="3556000" y="3014027"/>
-            <a:ext cx="5080000" cy="829945"/>
-          </a:xfrm>
-          <a:prstGeom prst="rect">
-            <a:avLst/>
-          </a:prstGeom>
-        </p:spPr>
-        <p:txBody>
-          <a:bodyPr>
-            <a:spAutoFit/>
-          </a:bodyPr>
-          <a:p>
-            <a:pPr marL="0" indent="0" algn="l"/>
-            <a:r>
-              <a:rPr sz="1600" b="0" i="0">
-                <a:solidFill>
-                  <a:srgbClr val="2F9C0A"/>
-                </a:solidFill>
-                <a:latin typeface="Consolas" panose="020B0609020204030204"/>
-                <a:ea typeface="Consolas" panose="020B0609020204030204"/>
-              </a:rPr>
-              <a:t>git</a:t>
-            </a:r>
-            <a:r>
-              <a:rPr sz="1600" b="0" i="0">
-                <a:solidFill>
-                  <a:srgbClr val="000000"/>
-                </a:solidFill>
-                <a:latin typeface="Consolas" panose="020B0609020204030204"/>
-                <a:ea typeface="Consolas" panose="020B0609020204030204"/>
-              </a:rPr>
-              <a:t> config --global user.name </a:t>
-            </a:r>
-            <a:r>
-              <a:rPr sz="1600" b="0" i="0">
-                <a:solidFill>
-                  <a:srgbClr val="2F9C0A"/>
-                </a:solidFill>
-                <a:latin typeface="Consolas" panose="020B0609020204030204"/>
-                <a:ea typeface="Consolas" panose="020B0609020204030204"/>
-              </a:rPr>
-              <a:t>"w3schools-test"git</a:t>
-            </a:r>
-            <a:r>
-              <a:rPr sz="1600" b="0" i="0">
-                <a:solidFill>
-                  <a:srgbClr val="000000"/>
-                </a:solidFill>
-                <a:latin typeface="Consolas" panose="020B0609020204030204"/>
-                <a:ea typeface="Consolas" panose="020B0609020204030204"/>
-              </a:rPr>
-              <a:t> config --global user.email </a:t>
-            </a:r>
-            <a:r>
-              <a:rPr sz="1600" b="0" i="0">
-                <a:solidFill>
-                  <a:srgbClr val="2F9C0A"/>
-                </a:solidFill>
-                <a:latin typeface="Consolas" panose="020B0609020204030204"/>
-                <a:ea typeface="Consolas" panose="020B0609020204030204"/>
-              </a:rPr>
-              <a:t>"test@w3schools.com"</a:t>
-            </a:r>
-            <a:endParaRPr sz="1600" b="0" i="0">
-              <a:solidFill>
-                <a:srgbClr val="2F9C0A"/>
-              </a:solidFill>
-              <a:latin typeface="Consolas" panose="020B0609020204030204"/>
-              <a:ea typeface="Consolas" panose="020B0609020204030204"/>
-            </a:endParaRPr>
-          </a:p>
-        </p:txBody>
-      </p:sp>
-      <p:sp>
-        <p:nvSpPr>
-          <p:cNvPr id="4" name="Text Box 3"/>
-          <p:cNvSpPr txBox="1"/>
-          <p:nvPr/>
-        </p:nvSpPr>
-        <p:spPr>
-          <a:xfrm>
-            <a:off x="2170430" y="4604385"/>
-            <a:ext cx="6096000" cy="645160"/>
-          </a:xfrm>
-          <a:prstGeom prst="rect">
-            <a:avLst/>
-          </a:prstGeom>
-          <a:noFill/>
-        </p:spPr>
-        <p:txBody>
-          <a:bodyPr wrap="square" rtlCol="0" anchor="t">
-            <a:spAutoFit/>
-          </a:bodyPr>
-          <a:p>
-            <a:r>
-              <a:rPr lang="en-US"/>
-              <a:t>git status</a:t>
-            </a:r>
-            <a:endParaRPr lang="en-US"/>
-          </a:p>
-          <a:p>
-            <a:r>
-              <a:rPr lang="en-US"/>
-              <a:t>git  commit -m "first file add"</a:t>
-            </a:r>
+              <a:t>business problem</a:t>
+            </a:r>
+            <a:endParaRPr lang="en-US"/>
+          </a:p>
+          <a:p>
+            <a:r>
+              <a:rPr lang="en-US"/>
+              <a:t>why need </a:t>
+            </a:r>
+            <a:endParaRPr lang="en-US"/>
+          </a:p>
+          <a:p>
+            <a:r>
+              <a:rPr lang="en-US"/>
+              <a:t>where we do </a:t>
+            </a:r>
+            <a:endParaRPr lang="en-US"/>
+          </a:p>
+          <a:p>
+            <a:r>
+              <a:rPr lang="en-US"/>
+              <a:t>how to do it</a:t>
+            </a:r>
+            <a:endParaRPr lang="en-US"/>
+          </a:p>
+          <a:p>
+            <a:endParaRPr lang="en-US"/>
+          </a:p>
+          <a:p>
+            <a:r>
+              <a:rPr lang="en-US"/>
+              <a:t>any ulternate way </a:t>
+            </a:r>
+            <a:endParaRPr lang="en-US"/>
+          </a:p>
+          <a:p>
+            <a:r>
+              <a:rPr lang="en-US"/>
+              <a:t>benefit of doing </a:t>
+            </a:r>
+            <a:endParaRPr lang="en-US"/>
+          </a:p>
+          <a:p>
+            <a:endParaRPr lang="en-US"/>
+          </a:p>
+          <a:p>
+            <a:endParaRPr lang="en-US"/>
+          </a:p>
+          <a:p>
+            <a:r>
+              <a:rPr lang="en-US"/>
+              <a:t>code tracking</a:t>
+            </a:r>
+            <a:endParaRPr lang="en-US"/>
+          </a:p>
+          <a:p>
+            <a:r>
+              <a:rPr lang="en-US"/>
+              <a:t>remote work </a:t>
+            </a:r>
+            <a:endParaRPr lang="en-US"/>
+          </a:p>
+          <a:p>
+            <a:r>
+              <a:rPr lang="en-US"/>
+              <a:t>version control</a:t>
+            </a:r>
+            <a:endParaRPr lang="en-US"/>
+          </a:p>
+          <a:p>
+            <a:endParaRPr lang="en-US"/>
+          </a:p>
+          <a:p>
             <a:endParaRPr lang="en-US"/>
           </a:p>
         </p:txBody>
@@ -3964,137 +3919,8 @@
         </p:nvSpPr>
         <p:spPr>
           <a:xfrm>
-            <a:off x="1371600" y="246380"/>
-            <a:ext cx="9229090" cy="3769360"/>
-          </a:xfrm>
-          <a:prstGeom prst="rect">
-            <a:avLst/>
-          </a:prstGeom>
-        </p:spPr>
-        <p:txBody>
-          <a:bodyPr wrap="square">
-            <a:noAutofit/>
-          </a:bodyPr>
-          <a:p>
-            <a:pPr marL="0" indent="0">
-              <a:spcBef>
-                <a:spcPct val="0"/>
-              </a:spcBef>
-              <a:spcAft>
-                <a:spcPct val="0"/>
-              </a:spcAft>
-            </a:pPr>
-            <a:r>
-              <a:rPr sz="1600" b="1" i="0">
-                <a:solidFill>
-                  <a:srgbClr val="1F2328"/>
-                </a:solidFill>
-                <a:latin typeface="-apple-system"/>
-                <a:ea typeface="-apple-system"/>
-              </a:rPr>
-              <a:t>…or create a new repository on the command line</a:t>
-            </a:r>
-            <a:endParaRPr sz="1600" b="1" i="0">
-              <a:solidFill>
-                <a:srgbClr val="1F2328"/>
-              </a:solidFill>
-              <a:latin typeface="-apple-system"/>
-              <a:ea typeface="-apple-system"/>
-            </a:endParaRPr>
-          </a:p>
-          <a:p>
-            <a:pPr marL="0" indent="0">
-              <a:spcBef>
-                <a:spcPct val="0"/>
-              </a:spcBef>
-              <a:spcAft>
-                <a:spcPct val="0"/>
-              </a:spcAft>
-            </a:pPr>
-            <a:r>
-              <a:rPr sz="1600" b="0" i="0">
-                <a:solidFill>
-                  <a:srgbClr val="1F2328"/>
-                </a:solidFill>
-                <a:latin typeface="var(--fontStack-monospace"/>
-                <a:ea typeface="var(--fontStack-monospace"/>
-              </a:rPr>
-              <a:t>echo "# class-ml_project" &gt;&gt; README.mdgit initgit add README.mdgit commit -m "first commit"git branch -M maingit remote add origin https://github.com/shahil04/class-ml_project.gitgit push -u origin main</a:t>
-            </a:r>
-            <a:endParaRPr sz="1600" b="0" i="0">
-              <a:solidFill>
-                <a:srgbClr val="1F2328"/>
-              </a:solidFill>
-              <a:latin typeface="var(--fontStack-monospace"/>
-              <a:ea typeface="var(--fontStack-monospace"/>
-            </a:endParaRPr>
-          </a:p>
-          <a:p>
-            <a:pPr marL="0" indent="0">
-              <a:spcBef>
-                <a:spcPct val="0"/>
-              </a:spcBef>
-              <a:spcAft>
-                <a:spcPct val="0"/>
-              </a:spcAft>
-            </a:pPr>
-            <a:r>
-              <a:rPr sz="1600" b="1" i="0">
-                <a:solidFill>
-                  <a:srgbClr val="1F2328"/>
-                </a:solidFill>
-                <a:latin typeface="-apple-system"/>
-                <a:ea typeface="-apple-system"/>
-              </a:rPr>
-              <a:t>…or push an existing repository from the command line</a:t>
-            </a:r>
-            <a:endParaRPr sz="1600" b="1" i="0">
-              <a:solidFill>
-                <a:srgbClr val="1F2328"/>
-              </a:solidFill>
-              <a:latin typeface="-apple-system"/>
-              <a:ea typeface="-apple-system"/>
-            </a:endParaRPr>
-          </a:p>
-          <a:p>
-            <a:pPr marL="0" indent="0">
-              <a:spcBef>
-                <a:spcPct val="0"/>
-              </a:spcBef>
-              <a:spcAft>
-                <a:spcPct val="0"/>
-              </a:spcAft>
-            </a:pPr>
-            <a:r>
-              <a:rPr sz="1600" b="0" i="0">
-                <a:solidFill>
-                  <a:srgbClr val="1F2328"/>
-                </a:solidFill>
-                <a:latin typeface="var(--fontStack-monospace"/>
-                <a:ea typeface="var(--fontStack-monospace"/>
-              </a:rPr>
-              <a:t>git remote add origin https://github.com/shahil04/class-ml_project.gitgit branch -M maingit push -u origin main</a:t>
-            </a:r>
-            <a:endParaRPr sz="1600" b="0" i="0">
-              <a:solidFill>
-                <a:srgbClr val="1F2328"/>
-              </a:solidFill>
-              <a:latin typeface="var(--fontStack-monospace"/>
-              <a:ea typeface="var(--fontStack-monospace"/>
-            </a:endParaRPr>
-          </a:p>
-        </p:txBody>
-      </p:sp>
-      <p:sp>
-        <p:nvSpPr>
-          <p:cNvPr id="3" name="Text Box 2"/>
-          <p:cNvSpPr txBox="1"/>
-          <p:nvPr/>
-        </p:nvSpPr>
-        <p:spPr>
-          <a:xfrm>
-            <a:off x="3048000" y="2275205"/>
-            <a:ext cx="6096000" cy="2306955"/>
+            <a:off x="1960880" y="1174750"/>
+            <a:ext cx="6096000" cy="368300"/>
           </a:xfrm>
           <a:prstGeom prst="rect">
             <a:avLst/>
@@ -4108,51 +3934,90 @@
           <a:p>
             <a:r>
               <a:rPr lang="en-US"/>
-              <a:t>echo "# class-ml_project" &gt;&gt; README.md</a:t>
-            </a:r>
-            <a:endParaRPr lang="en-US"/>
-          </a:p>
-          <a:p>
-            <a:r>
-              <a:rPr lang="en-US"/>
-              <a:t>git init</a:t>
-            </a:r>
-            <a:endParaRPr lang="en-US"/>
-          </a:p>
-          <a:p>
-            <a:r>
-              <a:rPr lang="en-US"/>
-              <a:t>git add README.md</a:t>
-            </a:r>
-            <a:endParaRPr lang="en-US"/>
-          </a:p>
-          <a:p>
-            <a:r>
-              <a:rPr lang="en-US"/>
-              <a:t>git commit -m "first commit"</a:t>
-            </a:r>
-            <a:endParaRPr lang="en-US"/>
-          </a:p>
-          <a:p>
-            <a:r>
-              <a:rPr lang="en-US"/>
-              <a:t>git branch -M main</a:t>
-            </a:r>
-            <a:endParaRPr lang="en-US"/>
-          </a:p>
-          <a:p>
-            <a:r>
-              <a:rPr lang="en-US"/>
-              <a:t>git remote add origin https://github.com/shahil04/class-ml_project.git</a:t>
-            </a:r>
-            <a:endParaRPr lang="en-US"/>
-          </a:p>
-          <a:p>
-            <a:r>
-              <a:rPr lang="en-US"/>
-              <a:t>git push -u origin main</a:t>
-            </a:r>
-            <a:endParaRPr lang="en-US"/>
+              <a:t>cd Documents\ds\ds_materials </a:t>
+            </a:r>
+            <a:endParaRPr lang="en-US"/>
+          </a:p>
+        </p:txBody>
+      </p:sp>
+      <p:sp>
+        <p:nvSpPr>
+          <p:cNvPr id="3" name="Text Box 2"/>
+          <p:cNvSpPr txBox="1"/>
+          <p:nvPr/>
+        </p:nvSpPr>
+        <p:spPr>
+          <a:xfrm>
+            <a:off x="3556000" y="3014027"/>
+            <a:ext cx="5080000" cy="829945"/>
+          </a:xfrm>
+          <a:prstGeom prst="rect">
+            <a:avLst/>
+          </a:prstGeom>
+        </p:spPr>
+        <p:txBody>
+          <a:bodyPr>
+            <a:spAutoFit/>
+          </a:bodyPr>
+          <a:p>
+            <a:pPr marL="0" indent="0" algn="l"/>
+            <a:r>
+              <a:rPr sz="1600" b="0" i="0">
+                <a:solidFill>
+                  <a:srgbClr val="2F9C0A"/>
+                </a:solidFill>
+                <a:latin typeface="Consolas" panose="020B0609020204030204"/>
+                <a:ea typeface="Consolas" panose="020B0609020204030204"/>
+              </a:rPr>
+              <a:t>git</a:t>
+            </a:r>
+            <a:r>
+              <a:rPr sz="1600" b="0" i="0">
+                <a:solidFill>
+                  <a:srgbClr val="000000"/>
+                </a:solidFill>
+                <a:latin typeface="Consolas" panose="020B0609020204030204"/>
+                <a:ea typeface="Consolas" panose="020B0609020204030204"/>
+              </a:rPr>
+              <a:t> config --global user.name </a:t>
+            </a:r>
+            <a:r>
+              <a:rPr sz="1600" b="0" i="0">
+                <a:solidFill>
+                  <a:srgbClr val="2F9C0A"/>
+                </a:solidFill>
+                <a:latin typeface="Consolas" panose="020B0609020204030204"/>
+                <a:ea typeface="Consolas" panose="020B0609020204030204"/>
+              </a:rPr>
+              <a:t>"w3schools-test"git</a:t>
+            </a:r>
+            <a:r>
+              <a:rPr sz="1600" b="0" i="0">
+                <a:solidFill>
+                  <a:srgbClr val="000000"/>
+                </a:solidFill>
+                <a:latin typeface="Consolas" panose="020B0609020204030204"/>
+                <a:ea typeface="Consolas" panose="020B0609020204030204"/>
+              </a:rPr>
+              <a:t> config --global user.email </a:t>
+            </a:r>
+            <a:r>
+              <a:rPr sz="1600" b="0" i="0">
+                <a:solidFill>
+                  <a:srgbClr val="2F9C0A"/>
+                </a:solidFill>
+                <a:latin typeface="Consolas" panose="020B0609020204030204"/>
+                <a:ea typeface="Consolas" panose="020B0609020204030204"/>
+              </a:rPr>
+              <a:t>"test@w3schools.com"</a:t>
+            </a:r>
+            <a:endParaRPr sz="1600" b="0" i="0">
+              <a:solidFill>
+                <a:srgbClr val="2F9C0A"/>
+              </a:solidFill>
+              <a:latin typeface="Consolas" panose="020B0609020204030204"/>
+              <a:ea typeface="Consolas" panose="020B0609020204030204"/>
+            </a:endParaRPr>
           </a:p>
         </p:txBody>
       </p:sp>
@@ -4164,8 +4029,8 @@
         </p:nvSpPr>
         <p:spPr>
           <a:xfrm>
-            <a:off x="3048000" y="5108575"/>
-            <a:ext cx="6096000" cy="1198880"/>
+            <a:off x="2170430" y="4604385"/>
+            <a:ext cx="6096000" cy="645160"/>
           </a:xfrm>
           <a:prstGeom prst="rect">
             <a:avLst/>
@@ -4179,50 +4044,14 @@
           <a:p>
             <a:r>
               <a:rPr lang="en-US"/>
-              <a:t>git remote add origin https://github.com/shahil04/class-ml_project.git</a:t>
-            </a:r>
-            <a:endParaRPr lang="en-US"/>
-          </a:p>
-          <a:p>
-            <a:r>
-              <a:rPr lang="en-US"/>
-              <a:t>git branch -M main</a:t>
-            </a:r>
-            <a:endParaRPr lang="en-US"/>
-          </a:p>
-          <a:p>
-            <a:r>
-              <a:rPr lang="en-US"/>
-              <a:t>git push -u origin main</a:t>
-            </a:r>
-            <a:endParaRPr lang="en-US"/>
-          </a:p>
-        </p:txBody>
-      </p:sp>
-      <p:sp>
-        <p:nvSpPr>
-          <p:cNvPr id="5" name="Text Box 4"/>
-          <p:cNvSpPr txBox="1"/>
-          <p:nvPr/>
-        </p:nvSpPr>
-        <p:spPr>
-          <a:xfrm>
-            <a:off x="1647190" y="4802505"/>
-            <a:ext cx="6096000" cy="368300"/>
-          </a:xfrm>
-          <a:prstGeom prst="rect">
-            <a:avLst/>
-          </a:prstGeom>
-          <a:noFill/>
-        </p:spPr>
-        <p:txBody>
-          <a:bodyPr wrap="square" rtlCol="0" anchor="t">
-            <a:spAutoFit/>
-          </a:bodyPr>
-          <a:p>
-            <a:r>
-              <a:rPr lang="en-US"/>
-              <a:t>git push -u origin master</a:t>
+              <a:t>git status</a:t>
+            </a:r>
+            <a:endParaRPr lang="en-US"/>
+          </a:p>
+          <a:p>
+            <a:r>
+              <a:rPr lang="en-US"/>
+              <a:t>git  commit -m "first file add"</a:t>
             </a:r>
             <a:endParaRPr lang="en-US"/>
           </a:p>
@@ -4237,6 +4066,296 @@
 </file>
 
 <file path=ppt/slides/slide5.xml><?xml version="1.0" encoding="utf-8"?>
+<p:sld xmlns:a="http://schemas.openxmlformats.org/drawingml/2006/main" xmlns:r="http://schemas.openxmlformats.org/officeDocument/2006/relationships" xmlns:p="http://schemas.openxmlformats.org/presentationml/2006/main">
+  <p:cSld>
+    <p:spTree>
+      <p:nvGrpSpPr>
+        <p:cNvPr id="1" name=""/>
+        <p:cNvGrpSpPr/>
+        <p:nvPr/>
+      </p:nvGrpSpPr>
+      <p:grpSpPr/>
+      <p:sp>
+        <p:nvSpPr>
+          <p:cNvPr id="2" name="Text Box 1"/>
+          <p:cNvSpPr txBox="1"/>
+          <p:nvPr/>
+        </p:nvSpPr>
+        <p:spPr>
+          <a:xfrm>
+            <a:off x="1371600" y="246380"/>
+            <a:ext cx="9229090" cy="3769360"/>
+          </a:xfrm>
+          <a:prstGeom prst="rect">
+            <a:avLst/>
+          </a:prstGeom>
+        </p:spPr>
+        <p:txBody>
+          <a:bodyPr wrap="square">
+            <a:noAutofit/>
+          </a:bodyPr>
+          <a:p>
+            <a:pPr marL="0" indent="0">
+              <a:spcBef>
+                <a:spcPct val="0"/>
+              </a:spcBef>
+              <a:spcAft>
+                <a:spcPct val="0"/>
+              </a:spcAft>
+            </a:pPr>
+            <a:r>
+              <a:rPr sz="1600" b="1" i="0">
+                <a:solidFill>
+                  <a:srgbClr val="1F2328"/>
+                </a:solidFill>
+                <a:latin typeface="-apple-system"/>
+                <a:ea typeface="-apple-system"/>
+              </a:rPr>
+              <a:t>…or create a new repository on the command line</a:t>
+            </a:r>
+            <a:endParaRPr sz="1600" b="1" i="0">
+              <a:solidFill>
+                <a:srgbClr val="1F2328"/>
+              </a:solidFill>
+              <a:latin typeface="-apple-system"/>
+              <a:ea typeface="-apple-system"/>
+            </a:endParaRPr>
+          </a:p>
+          <a:p>
+            <a:pPr marL="0" indent="0">
+              <a:spcBef>
+                <a:spcPct val="0"/>
+              </a:spcBef>
+              <a:spcAft>
+                <a:spcPct val="0"/>
+              </a:spcAft>
+            </a:pPr>
+            <a:r>
+              <a:rPr sz="1600" b="0" i="0">
+                <a:solidFill>
+                  <a:srgbClr val="1F2328"/>
+                </a:solidFill>
+                <a:latin typeface="var(--fontStack-monospace"/>
+                <a:ea typeface="var(--fontStack-monospace"/>
+              </a:rPr>
+              <a:t>echo "# class-ml_project" &gt;&gt; README.mdgit initgit add README.mdgit commit -m "first commit"git branch -M maingit remote add origin https://github.com/shahil04/class-ml_project.gitgit push -u origin main</a:t>
+            </a:r>
+            <a:endParaRPr sz="1600" b="0" i="0">
+              <a:solidFill>
+                <a:srgbClr val="1F2328"/>
+              </a:solidFill>
+              <a:latin typeface="var(--fontStack-monospace"/>
+              <a:ea typeface="var(--fontStack-monospace"/>
+            </a:endParaRPr>
+          </a:p>
+          <a:p>
+            <a:pPr marL="0" indent="0">
+              <a:spcBef>
+                <a:spcPct val="0"/>
+              </a:spcBef>
+              <a:spcAft>
+                <a:spcPct val="0"/>
+              </a:spcAft>
+            </a:pPr>
+            <a:r>
+              <a:rPr sz="1600" b="1" i="0">
+                <a:solidFill>
+                  <a:srgbClr val="1F2328"/>
+                </a:solidFill>
+                <a:latin typeface="-apple-system"/>
+                <a:ea typeface="-apple-system"/>
+              </a:rPr>
+              <a:t>…or push an existing repository from the command line</a:t>
+            </a:r>
+            <a:endParaRPr sz="1600" b="1" i="0">
+              <a:solidFill>
+                <a:srgbClr val="1F2328"/>
+              </a:solidFill>
+              <a:latin typeface="-apple-system"/>
+              <a:ea typeface="-apple-system"/>
+            </a:endParaRPr>
+          </a:p>
+          <a:p>
+            <a:pPr marL="0" indent="0">
+              <a:spcBef>
+                <a:spcPct val="0"/>
+              </a:spcBef>
+              <a:spcAft>
+                <a:spcPct val="0"/>
+              </a:spcAft>
+            </a:pPr>
+            <a:r>
+              <a:rPr sz="1600" b="0" i="0">
+                <a:solidFill>
+                  <a:srgbClr val="1F2328"/>
+                </a:solidFill>
+                <a:latin typeface="var(--fontStack-monospace"/>
+                <a:ea typeface="var(--fontStack-monospace"/>
+              </a:rPr>
+              <a:t>git remote add origin https://github.com/shahil04/class-ml_project.gitgit branch -M maingit push -u origin main</a:t>
+            </a:r>
+            <a:endParaRPr sz="1600" b="0" i="0">
+              <a:solidFill>
+                <a:srgbClr val="1F2328"/>
+              </a:solidFill>
+              <a:latin typeface="var(--fontStack-monospace"/>
+              <a:ea typeface="var(--fontStack-monospace"/>
+            </a:endParaRPr>
+          </a:p>
+        </p:txBody>
+      </p:sp>
+      <p:sp>
+        <p:nvSpPr>
+          <p:cNvPr id="3" name="Text Box 2"/>
+          <p:cNvSpPr txBox="1"/>
+          <p:nvPr/>
+        </p:nvSpPr>
+        <p:spPr>
+          <a:xfrm>
+            <a:off x="3048000" y="2275205"/>
+            <a:ext cx="6096000" cy="2306955"/>
+          </a:xfrm>
+          <a:prstGeom prst="rect">
+            <a:avLst/>
+          </a:prstGeom>
+          <a:noFill/>
+        </p:spPr>
+        <p:txBody>
+          <a:bodyPr wrap="square" rtlCol="0" anchor="t">
+            <a:spAutoFit/>
+          </a:bodyPr>
+          <a:p>
+            <a:r>
+              <a:rPr lang="en-US"/>
+              <a:t>echo "# class-ml_project" &gt;&gt; README.md</a:t>
+            </a:r>
+            <a:endParaRPr lang="en-US"/>
+          </a:p>
+          <a:p>
+            <a:r>
+              <a:rPr lang="en-US"/>
+              <a:t>git init</a:t>
+            </a:r>
+            <a:endParaRPr lang="en-US"/>
+          </a:p>
+          <a:p>
+            <a:r>
+              <a:rPr lang="en-US"/>
+              <a:t>git add README.md</a:t>
+            </a:r>
+            <a:endParaRPr lang="en-US"/>
+          </a:p>
+          <a:p>
+            <a:r>
+              <a:rPr lang="en-US"/>
+              <a:t>git commit -m "first commit"</a:t>
+            </a:r>
+            <a:endParaRPr lang="en-US"/>
+          </a:p>
+          <a:p>
+            <a:r>
+              <a:rPr lang="en-US"/>
+              <a:t>git branch -M main</a:t>
+            </a:r>
+            <a:endParaRPr lang="en-US"/>
+          </a:p>
+          <a:p>
+            <a:r>
+              <a:rPr lang="en-US"/>
+              <a:t>git remote add origin https://github.com/shahil04/class-ml_project.git</a:t>
+            </a:r>
+            <a:endParaRPr lang="en-US"/>
+          </a:p>
+          <a:p>
+            <a:r>
+              <a:rPr lang="en-US"/>
+              <a:t>git push -u origin main</a:t>
+            </a:r>
+            <a:endParaRPr lang="en-US"/>
+          </a:p>
+        </p:txBody>
+      </p:sp>
+      <p:sp>
+        <p:nvSpPr>
+          <p:cNvPr id="4" name="Text Box 3"/>
+          <p:cNvSpPr txBox="1"/>
+          <p:nvPr/>
+        </p:nvSpPr>
+        <p:spPr>
+          <a:xfrm>
+            <a:off x="3048000" y="5108575"/>
+            <a:ext cx="6096000" cy="1198880"/>
+          </a:xfrm>
+          <a:prstGeom prst="rect">
+            <a:avLst/>
+          </a:prstGeom>
+          <a:noFill/>
+        </p:spPr>
+        <p:txBody>
+          <a:bodyPr wrap="square" rtlCol="0" anchor="t">
+            <a:spAutoFit/>
+          </a:bodyPr>
+          <a:p>
+            <a:r>
+              <a:rPr lang="en-US"/>
+              <a:t>git remote add origin https://github.com/shahil04/class-ml_project.git</a:t>
+            </a:r>
+            <a:endParaRPr lang="en-US"/>
+          </a:p>
+          <a:p>
+            <a:r>
+              <a:rPr lang="en-US"/>
+              <a:t>git branch -M main</a:t>
+            </a:r>
+            <a:endParaRPr lang="en-US"/>
+          </a:p>
+          <a:p>
+            <a:r>
+              <a:rPr lang="en-US"/>
+              <a:t>git push -u origin main</a:t>
+            </a:r>
+            <a:endParaRPr lang="en-US"/>
+          </a:p>
+        </p:txBody>
+      </p:sp>
+      <p:sp>
+        <p:nvSpPr>
+          <p:cNvPr id="5" name="Text Box 4"/>
+          <p:cNvSpPr txBox="1"/>
+          <p:nvPr/>
+        </p:nvSpPr>
+        <p:spPr>
+          <a:xfrm>
+            <a:off x="1647190" y="4802505"/>
+            <a:ext cx="6096000" cy="368300"/>
+          </a:xfrm>
+          <a:prstGeom prst="rect">
+            <a:avLst/>
+          </a:prstGeom>
+          <a:noFill/>
+        </p:spPr>
+        <p:txBody>
+          <a:bodyPr wrap="square" rtlCol="0" anchor="t">
+            <a:spAutoFit/>
+          </a:bodyPr>
+          <a:p>
+            <a:r>
+              <a:rPr lang="en-US"/>
+              <a:t>git push -u origin master</a:t>
+            </a:r>
+            <a:endParaRPr lang="en-US"/>
+          </a:p>
+        </p:txBody>
+      </p:sp>
+    </p:spTree>
+  </p:cSld>
+  <p:clrMapOvr>
+    <a:masterClrMapping/>
+  </p:clrMapOvr>
+</p:sld>
+</file>
+
+<file path=ppt/slides/slide6.xml><?xml version="1.0" encoding="utf-8"?>
 <p:sld xmlns:a="http://schemas.openxmlformats.org/drawingml/2006/main" xmlns:r="http://schemas.openxmlformats.org/officeDocument/2006/relationships" xmlns:p="http://schemas.openxmlformats.org/presentationml/2006/main">
   <p:cSld>
     <p:bg>

--- a/0.git_github/git_github.pptx
+++ b/0.git_github/git_github.pptx
@@ -4052,6 +4052,35 @@
             <a:r>
               <a:rPr lang="en-US"/>
               <a:t>git  commit -m "first file add"</a:t>
+            </a:r>
+            <a:endParaRPr lang="en-US"/>
+          </a:p>
+        </p:txBody>
+      </p:sp>
+      <p:sp>
+        <p:nvSpPr>
+          <p:cNvPr id="5" name="Text Box 4"/>
+          <p:cNvSpPr txBox="1"/>
+          <p:nvPr/>
+        </p:nvSpPr>
+        <p:spPr>
+          <a:xfrm>
+            <a:off x="2703195" y="5649595"/>
+            <a:ext cx="6096000" cy="368300"/>
+          </a:xfrm>
+          <a:prstGeom prst="rect">
+            <a:avLst/>
+          </a:prstGeom>
+          <a:noFill/>
+        </p:spPr>
+        <p:txBody>
+          <a:bodyPr wrap="square" rtlCol="0" anchor="t">
+            <a:spAutoFit/>
+          </a:bodyPr>
+          <a:p>
+            <a:r>
+              <a:rPr lang="en-US" altLang="en-US"/>
+              <a:t>https://www.w3schools.com/git/default.asp?remote=github</a:t>
             </a:r>
             <a:endParaRPr lang="en-US"/>
           </a:p>
